--- a/Results/Reports and Presentation/Presentation.pptx
+++ b/Results/Reports and Presentation/Presentation.pptx
@@ -218,7 +218,7 @@
                   <c:v>731.252</c:v>
                 </c:pt>
                 <c:pt idx="1">
-                  <c:v>576.3019999999999</c:v>
+                  <c:v>576.3019999999998</c:v>
                 </c:pt>
                 <c:pt idx="2">
                   <c:v>449.054</c:v>
@@ -325,13 +325,13 @@
                   <c:v>798.77</c:v>
                 </c:pt>
                 <c:pt idx="5">
-                  <c:v>804.8459999999999</c:v>
+                  <c:v>804.8459999999998</c:v>
                 </c:pt>
                 <c:pt idx="6">
                   <c:v>743.672</c:v>
                 </c:pt>
                 <c:pt idx="7">
-                  <c:v>591.6369999999998</c:v>
+                  <c:v>591.6369999999997</c:v>
                 </c:pt>
                 <c:pt idx="8">
                   <c:v>590.732</c:v>
@@ -450,11 +450,11 @@
           <c:showPercent val="0"/>
           <c:showBubbleSize val="0"/>
         </c:dLbls>
-        <c:axId val="1848872504"/>
-        <c:axId val="1848877992"/>
+        <c:axId val="-2085864552"/>
+        <c:axId val="-2081859080"/>
       </c:scatterChart>
       <c:valAx>
-        <c:axId val="1848872504"/>
+        <c:axId val="-2085864552"/>
         <c:scaling>
           <c:orientation val="minMax"/>
           <c:max val="13.0"/>
@@ -485,13 +485,13 @@
         <c:majorTickMark val="out"/>
         <c:minorTickMark val="none"/>
         <c:tickLblPos val="nextTo"/>
-        <c:crossAx val="1848877992"/>
+        <c:crossAx val="-2081859080"/>
         <c:crosses val="autoZero"/>
         <c:crossBetween val="midCat"/>
         <c:majorUnit val="2.0"/>
       </c:valAx>
       <c:valAx>
-        <c:axId val="1848877992"/>
+        <c:axId val="-2081859080"/>
         <c:scaling>
           <c:orientation val="minMax"/>
           <c:min val="10.0"/>
@@ -522,7 +522,7 @@
         <c:majorTickMark val="out"/>
         <c:minorTickMark val="none"/>
         <c:tickLblPos val="nextTo"/>
-        <c:crossAx val="1848872504"/>
+        <c:crossAx val="-2085864552"/>
         <c:crosses val="autoZero"/>
         <c:crossBetween val="midCat"/>
       </c:valAx>
@@ -925,11 +925,11 @@
         </c:dLbls>
         <c:marker val="1"/>
         <c:smooth val="0"/>
-        <c:axId val="1847237816"/>
-        <c:axId val="1847227240"/>
+        <c:axId val="2128827992"/>
+        <c:axId val="2129402504"/>
       </c:lineChart>
       <c:catAx>
-        <c:axId val="1847237816"/>
+        <c:axId val="2128827992"/>
         <c:scaling>
           <c:orientation val="minMax"/>
         </c:scaling>
@@ -963,7 +963,7 @@
         <c:majorTickMark val="out"/>
         <c:minorTickMark val="none"/>
         <c:tickLblPos val="nextTo"/>
-        <c:crossAx val="1847227240"/>
+        <c:crossAx val="2129402504"/>
         <c:crosses val="autoZero"/>
         <c:auto val="1"/>
         <c:lblAlgn val="ctr"/>
@@ -971,7 +971,7 @@
         <c:noMultiLvlLbl val="0"/>
       </c:catAx>
       <c:valAx>
-        <c:axId val="1847227240"/>
+        <c:axId val="2129402504"/>
         <c:scaling>
           <c:orientation val="minMax"/>
         </c:scaling>
@@ -1010,7 +1010,7 @@
         <c:majorTickMark val="out"/>
         <c:minorTickMark val="none"/>
         <c:tickLblPos val="nextTo"/>
-        <c:crossAx val="1847237816"/>
+        <c:crossAx val="2128827992"/>
         <c:crosses val="autoZero"/>
         <c:crossBetween val="between"/>
         <c:dispUnits>
@@ -1171,11 +1171,11 @@
         </c:dLbls>
         <c:marker val="1"/>
         <c:smooth val="0"/>
-        <c:axId val="1847336376"/>
-        <c:axId val="1847342120"/>
+        <c:axId val="2129319896"/>
+        <c:axId val="-2078579464"/>
       </c:lineChart>
       <c:catAx>
-        <c:axId val="1847336376"/>
+        <c:axId val="2129319896"/>
         <c:scaling>
           <c:orientation val="minMax"/>
         </c:scaling>
@@ -1208,7 +1208,7 @@
         <c:majorTickMark val="out"/>
         <c:minorTickMark val="none"/>
         <c:tickLblPos val="nextTo"/>
-        <c:crossAx val="1847342120"/>
+        <c:crossAx val="-2078579464"/>
         <c:crosses val="autoZero"/>
         <c:auto val="1"/>
         <c:lblAlgn val="ctr"/>
@@ -1216,7 +1216,7 @@
         <c:noMultiLvlLbl val="0"/>
       </c:catAx>
       <c:valAx>
-        <c:axId val="1847342120"/>
+        <c:axId val="-2078579464"/>
         <c:scaling>
           <c:orientation val="minMax"/>
         </c:scaling>
@@ -1251,7 +1251,7 @@
         <c:majorTickMark val="out"/>
         <c:minorTickMark val="none"/>
         <c:tickLblPos val="nextTo"/>
-        <c:crossAx val="1847336376"/>
+        <c:crossAx val="2129319896"/>
         <c:crosses val="autoZero"/>
         <c:crossBetween val="between"/>
         <c:dispUnits>
@@ -1390,11 +1390,11 @@
         </c:dLbls>
         <c:marker val="1"/>
         <c:smooth val="0"/>
-        <c:axId val="1847370856"/>
-        <c:axId val="1847376568"/>
+        <c:axId val="2119784792"/>
+        <c:axId val="2066715944"/>
       </c:lineChart>
       <c:catAx>
-        <c:axId val="1847370856"/>
+        <c:axId val="2119784792"/>
         <c:scaling>
           <c:orientation val="minMax"/>
         </c:scaling>
@@ -1427,7 +1427,7 @@
         <c:majorTickMark val="out"/>
         <c:minorTickMark val="none"/>
         <c:tickLblPos val="nextTo"/>
-        <c:crossAx val="1847376568"/>
+        <c:crossAx val="2066715944"/>
         <c:crosses val="autoZero"/>
         <c:auto val="1"/>
         <c:lblAlgn val="ctr"/>
@@ -1435,7 +1435,7 @@
         <c:noMultiLvlLbl val="0"/>
       </c:catAx>
       <c:valAx>
-        <c:axId val="1847376568"/>
+        <c:axId val="2066715944"/>
         <c:scaling>
           <c:orientation val="minMax"/>
         </c:scaling>
@@ -1474,7 +1474,7 @@
         <c:majorTickMark val="out"/>
         <c:minorTickMark val="none"/>
         <c:tickLblPos val="nextTo"/>
-        <c:crossAx val="1847370856"/>
+        <c:crossAx val="2119784792"/>
         <c:crosses val="autoZero"/>
         <c:crossBetween val="between"/>
         <c:dispUnits>
@@ -1629,7 +1629,7 @@
                   <c:v>2.206423424804538</c:v>
                 </c:pt>
                 <c:pt idx="3">
-                  <c:v>2.406676336194203</c:v>
+                  <c:v>2.406676336194202</c:v>
                 </c:pt>
                 <c:pt idx="4">
                   <c:v>1.624716710491927</c:v>
@@ -1847,22 +1847,22 @@
                   <c:v>3.341585657611823</c:v>
                 </c:pt>
                 <c:pt idx="6">
-                  <c:v>5.621831613807157</c:v>
+                  <c:v>5.621831613807156</c:v>
                 </c:pt>
                 <c:pt idx="7">
                   <c:v>4.026278100265456</c:v>
                 </c:pt>
                 <c:pt idx="8">
-                  <c:v>6.779911827505516</c:v>
+                  <c:v>6.779911827505515</c:v>
                 </c:pt>
                 <c:pt idx="9">
-                  <c:v>6.67474896156793</c:v>
+                  <c:v>6.674748961567929</c:v>
                 </c:pt>
                 <c:pt idx="10">
                   <c:v>6.93505473210077</c:v>
                 </c:pt>
                 <c:pt idx="11">
-                  <c:v>7.570712239635445</c:v>
+                  <c:v>7.570712239635444</c:v>
                 </c:pt>
               </c:numCache>
             </c:numRef>
@@ -1952,7 +1952,7 @@
                   <c:v>2.230098779779198</c:v>
                 </c:pt>
                 <c:pt idx="5">
-                  <c:v>2.40381019464888</c:v>
+                  <c:v>2.403810194648879</c:v>
                 </c:pt>
                 <c:pt idx="6">
                   <c:v>2.5951237677126</c:v>
@@ -2057,7 +2057,7 @@
                   <c:v>3.918547843665768</c:v>
                 </c:pt>
                 <c:pt idx="4">
-                  <c:v>4.68256005314571</c:v>
+                  <c:v>4.682560053145709</c:v>
                 </c:pt>
                 <c:pt idx="5">
                   <c:v>4.766691257838436</c:v>
@@ -2066,19 +2066,19 @@
                   <c:v>4.754512192629234</c:v>
                 </c:pt>
                 <c:pt idx="7">
-                  <c:v>4.728104276240566</c:v>
+                  <c:v>4.728104276240565</c:v>
                 </c:pt>
                 <c:pt idx="8">
                   <c:v>3.58143115593364</c:v>
                 </c:pt>
                 <c:pt idx="9">
-                  <c:v>3.8896181533908</c:v>
+                  <c:v>3.889618153390799</c:v>
                 </c:pt>
                 <c:pt idx="10">
                   <c:v>3.922066206629094</c:v>
                 </c:pt>
                 <c:pt idx="11">
-                  <c:v>3.921950479273627</c:v>
+                  <c:v>3.921950479273626</c:v>
                 </c:pt>
               </c:numCache>
             </c:numRef>
@@ -2093,11 +2093,11 @@
           <c:showPercent val="0"/>
           <c:showBubbleSize val="0"/>
         </c:dLbls>
-        <c:axId val="1847401768"/>
-        <c:axId val="1847407416"/>
+        <c:axId val="2119760104"/>
+        <c:axId val="2119190936"/>
       </c:scatterChart>
       <c:valAx>
-        <c:axId val="1847401768"/>
+        <c:axId val="2119760104"/>
         <c:scaling>
           <c:orientation val="minMax"/>
           <c:max val="14.0"/>
@@ -2128,12 +2128,12 @@
         <c:majorTickMark val="none"/>
         <c:minorTickMark val="none"/>
         <c:tickLblPos val="nextTo"/>
-        <c:crossAx val="1847407416"/>
+        <c:crossAx val="2119190936"/>
         <c:crosses val="autoZero"/>
         <c:crossBetween val="midCat"/>
       </c:valAx>
       <c:valAx>
-        <c:axId val="1847407416"/>
+        <c:axId val="2119190936"/>
         <c:scaling>
           <c:orientation val="minMax"/>
           <c:min val="1.0"/>
@@ -2164,7 +2164,7 @@
         <c:majorTickMark val="none"/>
         <c:minorTickMark val="none"/>
         <c:tickLblPos val="nextTo"/>
-        <c:crossAx val="1847401768"/>
+        <c:crossAx val="2119760104"/>
         <c:crosses val="autoZero"/>
         <c:crossBetween val="midCat"/>
       </c:valAx>
@@ -2418,11 +2418,11 @@
           <c:showPercent val="0"/>
           <c:showBubbleSize val="0"/>
         </c:dLbls>
-        <c:axId val="1847456984"/>
-        <c:axId val="1848933288"/>
+        <c:axId val="2094638760"/>
+        <c:axId val="2094912936"/>
       </c:scatterChart>
       <c:valAx>
-        <c:axId val="1847456984"/>
+        <c:axId val="2094638760"/>
         <c:scaling>
           <c:orientation val="minMax"/>
         </c:scaling>
@@ -2451,12 +2451,12 @@
         <c:majorTickMark val="out"/>
         <c:minorTickMark val="none"/>
         <c:tickLblPos val="nextTo"/>
-        <c:crossAx val="1848933288"/>
+        <c:crossAx val="2094912936"/>
         <c:crosses val="autoZero"/>
         <c:crossBetween val="midCat"/>
       </c:valAx>
       <c:valAx>
-        <c:axId val="1848933288"/>
+        <c:axId val="2094912936"/>
         <c:scaling>
           <c:orientation val="minMax"/>
         </c:scaling>
@@ -2491,7 +2491,7 @@
         <c:majorTickMark val="out"/>
         <c:minorTickMark val="none"/>
         <c:tickLblPos val="nextTo"/>
-        <c:crossAx val="1847456984"/>
+        <c:crossAx val="2094638760"/>
         <c:crosses val="autoZero"/>
         <c:crossBetween val="midCat"/>
       </c:valAx>
@@ -11687,15 +11687,7 @@
           <a:p>
             <a:r>
               <a:rPr lang="en-US" dirty="0" smtClean="0"/>
-              <a:t>Computation Time: FW = C * (SS </a:t>
-            </a:r>
-            <a:r>
-              <a:rPr lang="en-US" dirty="0" smtClean="0"/>
-              <a:t>/ </a:t>
-            </a:r>
-            <a:r>
-              <a:rPr lang="en-US" dirty="0" smtClean="0"/>
-              <a:t>log(# of nodes)) for some constant C. </a:t>
+              <a:t>Computation Time: FW = C * (SS / log(# of nodes)) for some constant C. </a:t>
             </a:r>
           </a:p>
           <a:p>
@@ -12262,41 +12254,31 @@
             <a:pPr lvl="1"/>
             <a:r>
               <a:rPr lang="en-US" dirty="0" smtClean="0"/>
-              <a:t>FW Serial &gt; C * </a:t>
-            </a:r>
+              <a:t>FW Serial &gt; C * (SS Serial / log(n))</a:t>
+            </a:r>
+          </a:p>
+          <a:p>
+            <a:pPr lvl="1"/>
             <a:r>
               <a:rPr lang="en-US" dirty="0" smtClean="0"/>
-              <a:t>(SS Serial / log</a:t>
+              <a:t>FW OMP &lt;= C * (SS </a:t>
             </a:r>
             <a:r>
               <a:rPr lang="en-US" dirty="0" smtClean="0"/>
-              <a:t>(n</a:t>
+              <a:t>OMP or MPI </a:t>
+            </a:r>
+            <a:r>
+              <a:rPr lang="en-US" dirty="0"/>
+              <a:t>/</a:t>
             </a:r>
             <a:r>
               <a:rPr lang="en-US" dirty="0" smtClean="0"/>
-              <a:t>))</a:t>
-            </a:r>
-            <a:endParaRPr lang="en-US" dirty="0" smtClean="0"/>
-          </a:p>
-          <a:p>
-            <a:pPr lvl="1"/>
+              <a:t> </a:t>
+            </a:r>
             <a:r>
               <a:rPr lang="en-US" dirty="0" smtClean="0"/>
-              <a:t>FW OMP &lt;= C * </a:t>
-            </a:r>
-            <a:r>
-              <a:rPr lang="en-US" dirty="0" smtClean="0"/>
-              <a:t>(SS </a:t>
-            </a:r>
-            <a:r>
-              <a:rPr lang="en-US" dirty="0" smtClean="0"/>
-              <a:t>OMP/MPI * log(n</a:t>
-            </a:r>
-            <a:r>
-              <a:rPr lang="en-US" dirty="0" smtClean="0"/>
-              <a:t>))</a:t>
-            </a:r>
-            <a:endParaRPr lang="en-US" dirty="0" smtClean="0"/>
+              <a:t>log(n))</a:t>
+            </a:r>
           </a:p>
           <a:p>
             <a:endParaRPr lang="en-US" dirty="0" smtClean="0"/>
